--- a/slides/ukraine day4_2.pptx
+++ b/slides/ukraine day4_2.pptx
@@ -234,7 +234,7 @@
           <a:p>
             <a:fld id="{3A2B1EA1-3E33-4FD1-ADD1-5EEE605CA8B7}" type="datetimeFigureOut">
               <a:rPr lang="nb-NO" smtClean="0"/>
-              <a:t>04.03.2024</a:t>
+              <a:t>07.03.2024</a:t>
             </a:fld>
             <a:endParaRPr lang="nb-NO"/>
           </a:p>
@@ -13017,7 +13017,7 @@
                   <a:schemeClr val="tx1"/>
                 </a:solidFill>
               </a:rPr>
-              <a:t>Easy to seed that suppressed values in region B must be 0. The sum of non-suppressed values equals the row total. </a:t>
+              <a:t>Easy to see that suppressed values in region B must be 0. The sum of non-suppressed values equals the row total. </a:t>
             </a:r>
           </a:p>
         </p:txBody>
@@ -15533,7 +15533,7 @@
                   <a:schemeClr val="tx1"/>
                 </a:solidFill>
               </a:rPr>
-              <a:t>Easy to seed that the primary suppressed values must be 0. </a:t>
+              <a:t>Easy to see that the primary suppressed values must be 0. </a:t>
             </a:r>
           </a:p>
         </p:txBody>
@@ -18529,7 +18529,7 @@
         </p:spPr>
         <p:txBody>
           <a:bodyPr>
-            <a:normAutofit fontScale="90000"/>
+            <a:normAutofit/>
           </a:bodyPr>
           <a:lstStyle/>
           <a:p>
@@ -18549,17 +18549,6 @@
                 <a:latin typeface="Lucida Console" panose="020B0609040504020204" pitchFamily="49" charset="0"/>
               </a:rPr>
               <a:t>weightVar</a:t>
-            </a:r>
-            <a:br>
-              <a:rPr lang="en-GB" dirty="0">
-                <a:latin typeface="Lucida Console" panose="020B0609040504020204" pitchFamily="49" charset="0"/>
-              </a:rPr>
-            </a:br>
-            <a:r>
-              <a:rPr lang="en-GB" dirty="0" err="1">
-                <a:latin typeface="Lucida Console" panose="020B0609040504020204" pitchFamily="49" charset="0"/>
-              </a:rPr>
-              <a:t>frekvens</a:t>
             </a:r>
             <a:r>
               <a:rPr lang="en-GB" dirty="0">
@@ -18823,9 +18812,27 @@
             </a:endParaRPr>
           </a:p>
           <a:p>
+            <a:pPr>
+              <a:lnSpc>
+                <a:spcPct val="100000"/>
+              </a:lnSpc>
+            </a:pPr>
             <a:r>
               <a:rPr lang="en-US" dirty="0"/>
-              <a:t>Thus, it is the weighted frequencies that control the order</a:t>
+              <a:t>Thus, it is the weighted frequencies or </a:t>
+            </a:r>
+            <a:r>
+              <a:rPr lang="en-US" dirty="0" err="1">
+                <a:solidFill>
+                  <a:schemeClr val="tx1"/>
+                </a:solidFill>
+                <a:latin typeface="Lucida Console" panose="020B0609040504020204" pitchFamily="49" charset="0"/>
+              </a:rPr>
+              <a:t>numVar</a:t>
+            </a:r>
+            <a:r>
+              <a:rPr lang="en-US" dirty="0"/>
+              <a:t>-values that control the order</a:t>
             </a:r>
             <a:endParaRPr lang="nb-NO" dirty="0"/>
           </a:p>
@@ -21505,23 +21512,7 @@
                   <a:schemeClr val="tx1"/>
                 </a:solidFill>
               </a:rPr>
-              <a:t>Here, we have given Spain less weight, so that Spain become secondary </a:t>
-            </a:r>
-            <a:r>
-              <a:rPr lang="en-US" sz="1200" dirty="0" err="1">
-                <a:solidFill>
-                  <a:schemeClr val="tx1"/>
-                </a:solidFill>
-              </a:rPr>
-              <a:t>suprresed</a:t>
-            </a:r>
-            <a:r>
-              <a:rPr lang="en-US" sz="1200" dirty="0">
-                <a:solidFill>
-                  <a:schemeClr val="tx1"/>
-                </a:solidFill>
-              </a:rPr>
-              <a:t>  </a:t>
+              <a:t>Here, we have given Spain less weight, so that Spain become secondary suppressed   </a:t>
             </a:r>
           </a:p>
         </p:txBody>
@@ -28132,18 +28123,18 @@
 </file>
 
 <file path=customXml/item2.xml><?xml version="1.0" encoding="utf-8"?>
-<p:properties xmlns:p="http://schemas.microsoft.com/office/2006/metadata/properties" xmlns:xsi="http://www.w3.org/2001/XMLSchema-instance" xmlns:pc="http://schemas.microsoft.com/office/infopath/2007/PartnerControls">
-  <documentManagement/>
-</p:properties>
-</file>
-
-<file path=customXml/item3.xml><?xml version="1.0" encoding="utf-8"?>
 <?mso-contentType ?>
 <FormTemplates xmlns="http://schemas.microsoft.com/sharepoint/v3/contenttype/forms">
   <Display>DocumentLibraryForm</Display>
   <Edit>DocumentLibraryForm</Edit>
   <New>DocumentLibraryForm</New>
 </FormTemplates>
+</file>
+
+<file path=customXml/item3.xml><?xml version="1.0" encoding="utf-8"?>
+<p:properties xmlns:p="http://schemas.microsoft.com/office/2006/metadata/properties" xmlns:xsi="http://www.w3.org/2001/XMLSchema-instance" xmlns:pc="http://schemas.microsoft.com/office/infopath/2007/PartnerControls">
+  <documentManagement/>
+</p:properties>
 </file>
 
 <file path=customXml/itemProps1.xml><?xml version="1.0" encoding="utf-8"?>
@@ -28166,6 +28157,14 @@
 </file>
 
 <file path=customXml/itemProps2.xml><?xml version="1.0" encoding="utf-8"?>
+<ds:datastoreItem xmlns:ds="http://schemas.openxmlformats.org/officeDocument/2006/customXml" ds:itemID="{7DA7639B-4D2C-45CB-8EFB-A433F7CA227A}">
+  <ds:schemaRefs>
+    <ds:schemaRef ds:uri="http://schemas.microsoft.com/sharepoint/v3/contenttype/forms"/>
+  </ds:schemaRefs>
+</ds:datastoreItem>
+</file>
+
+<file path=customXml/itemProps3.xml><?xml version="1.0" encoding="utf-8"?>
 <ds:datastoreItem xmlns:ds="http://schemas.openxmlformats.org/officeDocument/2006/customXml" ds:itemID="{D8F42302-2478-43BE-A981-AC65D73AB78A}">
   <ds:schemaRefs>
     <ds:schemaRef ds:uri="a876cf1c-3c61-42fd-8570-6f768b3b5f3d"/>
@@ -28180,12 +28179,4 @@
     <ds:schemaRef ds:uri="http://schemas.microsoft.com/office/2006/metadata/properties"/>
   </ds:schemaRefs>
 </ds:datastoreItem>
-</file>
-
-<file path=customXml/itemProps3.xml><?xml version="1.0" encoding="utf-8"?>
-<ds:datastoreItem xmlns:ds="http://schemas.openxmlformats.org/officeDocument/2006/customXml" ds:itemID="{7DA7639B-4D2C-45CB-8EFB-A433F7CA227A}">
-  <ds:schemaRefs>
-    <ds:schemaRef ds:uri="http://schemas.microsoft.com/sharepoint/v3/contenttype/forms"/>
-  </ds:schemaRefs>
-</ds:datastoreItem>
 </file>